--- a/internship-diploma-sherbakov-alexander.pptx
+++ b/internship-diploma-sherbakov-alexander.pptx
@@ -259,7 +259,7 @@
           <a:p>
             <a:fld id="{47C5B005-F112-4D92-A378-541587B97EFF}" type="datetimeFigureOut">
               <a:rPr lang="ru-RU" smtClean="0"/>
-              <a:t>29.05.2022</a:t>
+              <a:t>30.05.2022</a:t>
             </a:fld>
             <a:endParaRPr lang="ru-RU"/>
           </a:p>
@@ -429,7 +429,7 @@
           <a:p>
             <a:fld id="{47C5B005-F112-4D92-A378-541587B97EFF}" type="datetimeFigureOut">
               <a:rPr lang="ru-RU" smtClean="0"/>
-              <a:t>29.05.2022</a:t>
+              <a:t>30.05.2022</a:t>
             </a:fld>
             <a:endParaRPr lang="ru-RU"/>
           </a:p>
@@ -609,7 +609,7 @@
           <a:p>
             <a:fld id="{47C5B005-F112-4D92-A378-541587B97EFF}" type="datetimeFigureOut">
               <a:rPr lang="ru-RU" smtClean="0"/>
-              <a:t>29.05.2022</a:t>
+              <a:t>30.05.2022</a:t>
             </a:fld>
             <a:endParaRPr lang="ru-RU"/>
           </a:p>
@@ -779,7 +779,7 @@
           <a:p>
             <a:fld id="{47C5B005-F112-4D92-A378-541587B97EFF}" type="datetimeFigureOut">
               <a:rPr lang="ru-RU" smtClean="0"/>
-              <a:t>29.05.2022</a:t>
+              <a:t>30.05.2022</a:t>
             </a:fld>
             <a:endParaRPr lang="ru-RU"/>
           </a:p>
@@ -1025,7 +1025,7 @@
           <a:p>
             <a:fld id="{47C5B005-F112-4D92-A378-541587B97EFF}" type="datetimeFigureOut">
               <a:rPr lang="ru-RU" smtClean="0"/>
-              <a:t>29.05.2022</a:t>
+              <a:t>30.05.2022</a:t>
             </a:fld>
             <a:endParaRPr lang="ru-RU"/>
           </a:p>
@@ -1257,7 +1257,7 @@
           <a:p>
             <a:fld id="{47C5B005-F112-4D92-A378-541587B97EFF}" type="datetimeFigureOut">
               <a:rPr lang="ru-RU" smtClean="0"/>
-              <a:t>29.05.2022</a:t>
+              <a:t>30.05.2022</a:t>
             </a:fld>
             <a:endParaRPr lang="ru-RU"/>
           </a:p>
@@ -1624,7 +1624,7 @@
           <a:p>
             <a:fld id="{47C5B005-F112-4D92-A378-541587B97EFF}" type="datetimeFigureOut">
               <a:rPr lang="ru-RU" smtClean="0"/>
-              <a:t>29.05.2022</a:t>
+              <a:t>30.05.2022</a:t>
             </a:fld>
             <a:endParaRPr lang="ru-RU"/>
           </a:p>
@@ -1742,7 +1742,7 @@
           <a:p>
             <a:fld id="{47C5B005-F112-4D92-A378-541587B97EFF}" type="datetimeFigureOut">
               <a:rPr lang="ru-RU" smtClean="0"/>
-              <a:t>29.05.2022</a:t>
+              <a:t>30.05.2022</a:t>
             </a:fld>
             <a:endParaRPr lang="ru-RU"/>
           </a:p>
@@ -1837,7 +1837,7 @@
           <a:p>
             <a:fld id="{47C5B005-F112-4D92-A378-541587B97EFF}" type="datetimeFigureOut">
               <a:rPr lang="ru-RU" smtClean="0"/>
-              <a:t>29.05.2022</a:t>
+              <a:t>30.05.2022</a:t>
             </a:fld>
             <a:endParaRPr lang="ru-RU"/>
           </a:p>
@@ -2114,7 +2114,7 @@
           <a:p>
             <a:fld id="{47C5B005-F112-4D92-A378-541587B97EFF}" type="datetimeFigureOut">
               <a:rPr lang="ru-RU" smtClean="0"/>
-              <a:t>29.05.2022</a:t>
+              <a:t>30.05.2022</a:t>
             </a:fld>
             <a:endParaRPr lang="ru-RU"/>
           </a:p>
@@ -2367,7 +2367,7 @@
           <a:p>
             <a:fld id="{47C5B005-F112-4D92-A378-541587B97EFF}" type="datetimeFigureOut">
               <a:rPr lang="ru-RU" smtClean="0"/>
-              <a:t>29.05.2022</a:t>
+              <a:t>30.05.2022</a:t>
             </a:fld>
             <a:endParaRPr lang="ru-RU"/>
           </a:p>
@@ -2580,7 +2580,7 @@
           <a:p>
             <a:fld id="{47C5B005-F112-4D92-A378-541587B97EFF}" type="datetimeFigureOut">
               <a:rPr lang="ru-RU" smtClean="0"/>
-              <a:t>29.05.2022</a:t>
+              <a:t>30.05.2022</a:t>
             </a:fld>
             <a:endParaRPr lang="ru-RU"/>
           </a:p>
@@ -3897,13 +3897,7 @@
               <a:rPr lang="en-US" sz="2000" dirty="0" smtClean="0">
                 <a:cs typeface="Calibri" panose="020F0502020204030204" pitchFamily="34" charset="0"/>
               </a:rPr>
-              <a:t>used</a:t>
-            </a:r>
-            <a:r>
-              <a:rPr lang="en-US" sz="2000" dirty="0" smtClean="0">
-                <a:cs typeface="Calibri" panose="020F0502020204030204" pitchFamily="34" charset="0"/>
-              </a:rPr>
-              <a:t>.</a:t>
+              <a:t>used.</a:t>
             </a:r>
             <a:endParaRPr lang="en-US" sz="2000" dirty="0">
               <a:cs typeface="Calibri" panose="020F0502020204030204" pitchFamily="34" charset="0"/>
@@ -4083,7 +4077,7 @@
           <a:blip r:embed="rId2">
             <a:extLst>
               <a:ext uri="{96DAC541-7B7A-43D3-8B79-37D633B846F1}">
-                <asvg:svgBlip xmlns:asvg="http://schemas.microsoft.com/office/drawing/2016/SVG/main" xmlns="" r:embed="rId3"/>
+                <asvg:svgBlip xmlns="" xmlns:asvg="http://schemas.microsoft.com/office/drawing/2016/SVG/main" r:embed="rId3"/>
               </a:ext>
             </a:extLst>
           </a:blip>
@@ -4252,7 +4246,7 @@
           <a:blip r:embed="rId4">
             <a:extLst>
               <a:ext uri="{96DAC541-7B7A-43D3-8B79-37D633B846F1}">
-                <asvg:svgBlip xmlns:asvg="http://schemas.microsoft.com/office/drawing/2016/SVG/main" xmlns="" r:embed="rId25"/>
+                <asvg:svgBlip xmlns="" xmlns:asvg="http://schemas.microsoft.com/office/drawing/2016/SVG/main" r:embed="rId25"/>
               </a:ext>
             </a:extLst>
           </a:blip>
@@ -4353,14 +4347,6 @@
               </a:rPr>
               <a:t>-main</a:t>
             </a:r>
-            <a:endParaRPr lang="en-US" sz="800" dirty="0">
-              <a:ln w="0"/>
-              <a:solidFill>
-                <a:srgbClr val="1E8900"/>
-              </a:solidFill>
-              <a:latin typeface="Arial" panose="020B0604020202020204" pitchFamily="34" charset="0"/>
-              <a:cs typeface="Arial" panose="020B0604020202020204" pitchFamily="34" charset="0"/>
-            </a:endParaRPr>
           </a:p>
         </p:txBody>
       </p:sp>
@@ -4382,7 +4368,7 @@
           <a:blip r:embed="rId26">
             <a:extLst>
               <a:ext uri="{96DAC541-7B7A-43D3-8B79-37D633B846F1}">
-                <asvg:svgBlip xmlns:asvg="http://schemas.microsoft.com/office/drawing/2016/SVG/main" xmlns="" r:embed="rId17"/>
+                <asvg:svgBlip xmlns="" xmlns:asvg="http://schemas.microsoft.com/office/drawing/2016/SVG/main" r:embed="rId17"/>
               </a:ext>
             </a:extLst>
           </a:blip>
@@ -4418,7 +4404,7 @@
           <a:blip r:embed="rId27">
             <a:extLst>
               <a:ext uri="{96DAC541-7B7A-43D3-8B79-37D633B846F1}">
-                <asvg:svgBlip xmlns:asvg="http://schemas.microsoft.com/office/drawing/2016/SVG/main" xmlns="" r:embed="rId22"/>
+                <asvg:svgBlip xmlns="" xmlns:asvg="http://schemas.microsoft.com/office/drawing/2016/SVG/main" r:embed="rId22"/>
               </a:ext>
             </a:extLst>
           </a:blip>
@@ -4511,7 +4497,7 @@
           <a:blip r:embed="rId28">
             <a:extLst>
               <a:ext uri="{96DAC541-7B7A-43D3-8B79-37D633B846F1}">
-                <asvg:svgBlip xmlns:asvg="http://schemas.microsoft.com/office/drawing/2016/SVG/main" xmlns="" r:embed="rId10"/>
+                <asvg:svgBlip xmlns="" xmlns:asvg="http://schemas.microsoft.com/office/drawing/2016/SVG/main" r:embed="rId10"/>
               </a:ext>
             </a:extLst>
           </a:blip>
@@ -4847,11 +4833,6 @@
               </a:rPr>
               <a:t>-dev</a:t>
             </a:r>
-            <a:endParaRPr lang="en-US" altLang="en-US" sz="800" dirty="0">
-              <a:latin typeface="Arial" panose="020B0604020202020204" pitchFamily="34" charset="0"/>
-              <a:ea typeface="Amazon Ember" pitchFamily="34" charset="0"/>
-              <a:cs typeface="Arial" panose="020B0604020202020204" pitchFamily="34" charset="0"/>
-            </a:endParaRPr>
           </a:p>
         </p:txBody>
       </p:sp>
@@ -5603,21 +5584,8 @@
                 <a:ea typeface="Amazon Ember" pitchFamily="34" charset="0"/>
                 <a:cs typeface="Arial" panose="020B0604020202020204" pitchFamily="34" charset="0"/>
               </a:rPr>
-              <a:t>Internet </a:t>
-            </a:r>
-            <a:r>
-              <a:rPr lang="en-US" altLang="en-US" sz="800" dirty="0">
-                <a:latin typeface="Arial" panose="020B0604020202020204" pitchFamily="34" charset="0"/>
-                <a:ea typeface="Amazon Ember" pitchFamily="34" charset="0"/>
-                <a:cs typeface="Arial" panose="020B0604020202020204" pitchFamily="34" charset="0"/>
-              </a:rPr>
-              <a:t>gateway EKS-IGW</a:t>
-            </a:r>
-            <a:endParaRPr lang="en-US" altLang="en-US" sz="800" dirty="0">
-              <a:latin typeface="Arial" panose="020B0604020202020204" pitchFamily="34" charset="0"/>
-              <a:ea typeface="Amazon Ember" pitchFamily="34" charset="0"/>
-              <a:cs typeface="Arial" panose="020B0604020202020204" pitchFamily="34" charset="0"/>
-            </a:endParaRPr>
+              <a:t>Internet gateway EKS-IGW</a:t>
+            </a:r>
           </a:p>
         </p:txBody>
       </p:sp>
@@ -6308,25 +6276,8 @@
                 <a:latin typeface="Arial" panose="020B0604020202020204" pitchFamily="34" charset="0"/>
                 <a:cs typeface="Arial" panose="020B0604020202020204" pitchFamily="34" charset="0"/>
               </a:rPr>
-              <a:t>Public </a:t>
-            </a:r>
-            <a:r>
-              <a:rPr lang="en-US" sz="800" dirty="0">
-                <a:solidFill>
-                  <a:srgbClr val="1E8900"/>
-                </a:solidFill>
-                <a:latin typeface="Arial" panose="020B0604020202020204" pitchFamily="34" charset="0"/>
-                <a:cs typeface="Arial" panose="020B0604020202020204" pitchFamily="34" charset="0"/>
-              </a:rPr>
-              <a:t>subnet public-eu-west-1a</a:t>
-            </a:r>
-            <a:endParaRPr lang="en-US" sz="800" dirty="0">
-              <a:solidFill>
-                <a:srgbClr val="1E8900"/>
-              </a:solidFill>
-              <a:latin typeface="Arial" panose="020B0604020202020204" pitchFamily="34" charset="0"/>
-              <a:cs typeface="Arial" panose="020B0604020202020204" pitchFamily="34" charset="0"/>
-            </a:endParaRPr>
+              <a:t>Public subnet public-eu-west-1a</a:t>
+            </a:r>
           </a:p>
         </p:txBody>
       </p:sp>
@@ -6515,17 +6466,7 @@
                 <a:latin typeface="Arial" panose="020B0604020202020204" pitchFamily="34" charset="0"/>
                 <a:cs typeface="Arial" panose="020B0604020202020204" pitchFamily="34" charset="0"/>
               </a:rPr>
-              <a:t>Public </a:t>
-            </a:r>
-            <a:r>
-              <a:rPr lang="en-US" sz="800" dirty="0">
-                <a:solidFill>
-                  <a:srgbClr val="1E8900"/>
-                </a:solidFill>
-                <a:latin typeface="Arial" panose="020B0604020202020204" pitchFamily="34" charset="0"/>
-                <a:cs typeface="Arial" panose="020B0604020202020204" pitchFamily="34" charset="0"/>
-              </a:rPr>
-              <a:t>subnet </a:t>
+              <a:t>Public subnet </a:t>
             </a:r>
             <a:r>
               <a:rPr lang="en-US" sz="800" dirty="0" smtClean="0">
@@ -7678,17 +7619,7 @@
                 <a:latin typeface="Arial" panose="020B0604020202020204" pitchFamily="34" charset="0"/>
                 <a:cs typeface="Arial" panose="020B0604020202020204" pitchFamily="34" charset="0"/>
               </a:rPr>
-              <a:t>Auto Scaling </a:t>
-            </a:r>
-            <a:r>
-              <a:rPr lang="en-US" sz="800" dirty="0">
-                <a:solidFill>
-                  <a:srgbClr val="D86613"/>
-                </a:solidFill>
-                <a:latin typeface="Arial" panose="020B0604020202020204" pitchFamily="34" charset="0"/>
-                <a:cs typeface="Arial" panose="020B0604020202020204" pitchFamily="34" charset="0"/>
-              </a:rPr>
-              <a:t>group </a:t>
+              <a:t>Auto Scaling group </a:t>
             </a:r>
             <a:r>
               <a:rPr lang="en-US" sz="800" dirty="0" err="1">
@@ -8113,7 +8044,7 @@
           <a:blip r:embed="rId2">
             <a:extLst>
               <a:ext uri="{96DAC541-7B7A-43D3-8B79-37D633B846F1}">
-                <asvg:svgBlip xmlns:asvg="http://schemas.microsoft.com/office/drawing/2016/SVG/main" xmlns="" r:embed="rId22"/>
+                <asvg:svgBlip xmlns="" xmlns:asvg="http://schemas.microsoft.com/office/drawing/2016/SVG/main" r:embed="rId22"/>
               </a:ext>
             </a:extLst>
           </a:blip>
@@ -8419,21 +8350,8 @@
                 <a:ea typeface="Amazon Ember" pitchFamily="34" charset="0"/>
                 <a:cs typeface="Arial" panose="020B0604020202020204" pitchFamily="34" charset="0"/>
               </a:rPr>
-              <a:t>Internet </a:t>
-            </a:r>
-            <a:r>
-              <a:rPr lang="en-US" altLang="en-US" sz="800" dirty="0">
-                <a:latin typeface="Arial" panose="020B0604020202020204" pitchFamily="34" charset="0"/>
-                <a:ea typeface="Amazon Ember" pitchFamily="34" charset="0"/>
-                <a:cs typeface="Arial" panose="020B0604020202020204" pitchFamily="34" charset="0"/>
-              </a:rPr>
-              <a:t>gateway EKS-IGW</a:t>
-            </a:r>
-            <a:endParaRPr lang="en-US" altLang="en-US" sz="800" dirty="0">
-              <a:latin typeface="Arial" panose="020B0604020202020204" pitchFamily="34" charset="0"/>
-              <a:ea typeface="Amazon Ember" pitchFamily="34" charset="0"/>
-              <a:cs typeface="Arial" panose="020B0604020202020204" pitchFamily="34" charset="0"/>
-            </a:endParaRPr>
+              <a:t>Internet gateway EKS-IGW</a:t>
+            </a:r>
           </a:p>
         </p:txBody>
       </p:sp>
@@ -11093,15 +11011,7 @@
                 <a:ea typeface="Amazon Ember" pitchFamily="34" charset="0"/>
                 <a:cs typeface="Arial" panose="020B0604020202020204" pitchFamily="34" charset="0"/>
               </a:rPr>
-              <a:t>DEV</a:t>
-            </a:r>
-            <a:r>
-              <a:rPr lang="en-US" altLang="en-US" sz="800" dirty="0" smtClean="0">
-                <a:latin typeface="Arial" panose="020B0604020202020204" pitchFamily="34" charset="0"/>
-                <a:ea typeface="Amazon Ember" pitchFamily="34" charset="0"/>
-                <a:cs typeface="Arial" panose="020B0604020202020204" pitchFamily="34" charset="0"/>
-              </a:rPr>
-              <a:t> RDS</a:t>
+              <a:t>DEV RDS</a:t>
             </a:r>
             <a:endParaRPr lang="en-US" altLang="en-US" sz="800" dirty="0">
               <a:latin typeface="Arial" panose="020B0604020202020204" pitchFamily="34" charset="0"/>
@@ -12081,11 +11991,7 @@
             </a:pPr>
             <a:r>
               <a:rPr lang="en-US" sz="1600" dirty="0"/>
-              <a:t>According to AWS Budgets report </a:t>
-            </a:r>
-            <a:r>
-              <a:rPr lang="en-US" sz="1600" dirty="0"/>
-              <a:t>expenses for </a:t>
+              <a:t>According to AWS Budgets report expenses for </a:t>
             </a:r>
             <a:r>
               <a:rPr lang="ru-RU" sz="1600" dirty="0" smtClean="0"/>
@@ -12774,7 +12680,6 @@
               <a:rPr lang="en-US" sz="1800" dirty="0"/>
               <a:t>Container insight </a:t>
             </a:r>
-            <a:endParaRPr lang="en-US" sz="1800" dirty="0"/>
           </a:p>
           <a:p>
             <a:r>
@@ -12948,17 +12853,14 @@
           <a:p>
             <a:pPr marL="1028700" lvl="1" indent="-342900"/>
             <a:r>
-              <a:rPr lang="en-US" sz="1600" dirty="0">
+              <a:rPr lang="en-US" sz="1600" smtClean="0">
                 <a:cs typeface="Calibri" panose="020F0502020204030204" pitchFamily="34" charset="0"/>
               </a:rPr>
-              <a:t>AWS </a:t>
-            </a:r>
-            <a:r>
-              <a:rPr lang="en-US" sz="1600" dirty="0" smtClean="0">
-                <a:cs typeface="Calibri" panose="020F0502020204030204" pitchFamily="34" charset="0"/>
-              </a:rPr>
-              <a:t>ECR</a:t>
-            </a:r>
+              <a:t>Metrics server</a:t>
+            </a:r>
+            <a:endParaRPr lang="en-US" sz="1600" dirty="0" smtClean="0">
+              <a:cs typeface="Calibri" panose="020F0502020204030204" pitchFamily="34" charset="0"/>
+            </a:endParaRPr>
           </a:p>
           <a:p>
             <a:pPr marL="1028700" lvl="1" indent="-342900"/>
@@ -12977,13 +12879,7 @@
               <a:rPr lang="en-US" sz="1600" dirty="0" smtClean="0">
                 <a:cs typeface="Calibri" panose="020F0502020204030204" pitchFamily="34" charset="0"/>
               </a:rPr>
-              <a:t>After </a:t>
-            </a:r>
-            <a:r>
-              <a:rPr lang="en-US" sz="1600" dirty="0" smtClean="0">
-                <a:cs typeface="Calibri" panose="020F0502020204030204" pitchFamily="34" charset="0"/>
-              </a:rPr>
-              <a:t>infrastructure </a:t>
+              <a:t>After infrastructure </a:t>
             </a:r>
             <a:r>
               <a:rPr lang="en-US" sz="1600" dirty="0">
@@ -13019,13 +12915,7 @@
               <a:rPr lang="en-US" sz="1600" dirty="0" smtClean="0">
                 <a:cs typeface="Calibri" panose="020F0502020204030204" pitchFamily="34" charset="0"/>
               </a:rPr>
-              <a:t>images </a:t>
-            </a:r>
-            <a:r>
-              <a:rPr lang="en-US" sz="1600" dirty="0" smtClean="0">
-                <a:cs typeface="Calibri" panose="020F0502020204030204" pitchFamily="34" charset="0"/>
-              </a:rPr>
-              <a:t>is </a:t>
+              <a:t>images is </a:t>
             </a:r>
             <a:r>
               <a:rPr lang="en-US" sz="1600" dirty="0">
@@ -13037,13 +12927,7 @@
               <a:rPr lang="en-US" sz="1600" dirty="0" smtClean="0">
                 <a:cs typeface="Calibri" panose="020F0502020204030204" pitchFamily="34" charset="0"/>
               </a:rPr>
-              <a:t>“</a:t>
-            </a:r>
-            <a:r>
-              <a:rPr lang="en-US" sz="1600" dirty="0" smtClean="0">
-                <a:cs typeface="Calibri" panose="020F0502020204030204" pitchFamily="34" charset="0"/>
-              </a:rPr>
-              <a:t>Initial deploy” </a:t>
+              <a:t>“Initial deploy” </a:t>
             </a:r>
             <a:r>
               <a:rPr lang="en-US" sz="1600" dirty="0" err="1" smtClean="0">

--- a/internship-diploma-sherbakov-alexander.pptx
+++ b/internship-diploma-sherbakov-alexander.pptx
@@ -4077,7 +4077,7 @@
           <a:blip r:embed="rId2">
             <a:extLst>
               <a:ext uri="{96DAC541-7B7A-43D3-8B79-37D633B846F1}">
-                <asvg:svgBlip xmlns="" xmlns:asvg="http://schemas.microsoft.com/office/drawing/2016/SVG/main" r:embed="rId3"/>
+                <asvg:svgBlip xmlns:asvg="http://schemas.microsoft.com/office/drawing/2016/SVG/main" xmlns="" r:embed="rId3"/>
               </a:ext>
             </a:extLst>
           </a:blip>
@@ -4246,7 +4246,7 @@
           <a:blip r:embed="rId4">
             <a:extLst>
               <a:ext uri="{96DAC541-7B7A-43D3-8B79-37D633B846F1}">
-                <asvg:svgBlip xmlns="" xmlns:asvg="http://schemas.microsoft.com/office/drawing/2016/SVG/main" r:embed="rId25"/>
+                <asvg:svgBlip xmlns:asvg="http://schemas.microsoft.com/office/drawing/2016/SVG/main" xmlns="" r:embed="rId25"/>
               </a:ext>
             </a:extLst>
           </a:blip>
@@ -4368,7 +4368,7 @@
           <a:blip r:embed="rId26">
             <a:extLst>
               <a:ext uri="{96DAC541-7B7A-43D3-8B79-37D633B846F1}">
-                <asvg:svgBlip xmlns="" xmlns:asvg="http://schemas.microsoft.com/office/drawing/2016/SVG/main" r:embed="rId17"/>
+                <asvg:svgBlip xmlns:asvg="http://schemas.microsoft.com/office/drawing/2016/SVG/main" xmlns="" r:embed="rId17"/>
               </a:ext>
             </a:extLst>
           </a:blip>
@@ -4404,7 +4404,7 @@
           <a:blip r:embed="rId27">
             <a:extLst>
               <a:ext uri="{96DAC541-7B7A-43D3-8B79-37D633B846F1}">
-                <asvg:svgBlip xmlns="" xmlns:asvg="http://schemas.microsoft.com/office/drawing/2016/SVG/main" r:embed="rId22"/>
+                <asvg:svgBlip xmlns:asvg="http://schemas.microsoft.com/office/drawing/2016/SVG/main" xmlns="" r:embed="rId22"/>
               </a:ext>
             </a:extLst>
           </a:blip>
@@ -4497,7 +4497,7 @@
           <a:blip r:embed="rId28">
             <a:extLst>
               <a:ext uri="{96DAC541-7B7A-43D3-8B79-37D633B846F1}">
-                <asvg:svgBlip xmlns="" xmlns:asvg="http://schemas.microsoft.com/office/drawing/2016/SVG/main" r:embed="rId10"/>
+                <asvg:svgBlip xmlns:asvg="http://schemas.microsoft.com/office/drawing/2016/SVG/main" xmlns="" r:embed="rId10"/>
               </a:ext>
             </a:extLst>
           </a:blip>
@@ -8044,7 +8044,7 @@
           <a:blip r:embed="rId2">
             <a:extLst>
               <a:ext uri="{96DAC541-7B7A-43D3-8B79-37D633B846F1}">
-                <asvg:svgBlip xmlns="" xmlns:asvg="http://schemas.microsoft.com/office/drawing/2016/SVG/main" r:embed="rId22"/>
+                <asvg:svgBlip xmlns:asvg="http://schemas.microsoft.com/office/drawing/2016/SVG/main" xmlns="" r:embed="rId22"/>
               </a:ext>
             </a:extLst>
           </a:blip>
@@ -12678,8 +12678,25 @@
             </a:r>
             <a:r>
               <a:rPr lang="en-US" sz="1800" dirty="0"/>
-              <a:t>Container insight </a:t>
-            </a:r>
+              <a:t>Container </a:t>
+            </a:r>
+            <a:r>
+              <a:rPr lang="en-US" sz="1800" dirty="0" smtClean="0"/>
+              <a:t>insight,  S3 </a:t>
+            </a:r>
+            <a:r>
+              <a:rPr lang="en-US" sz="1800" dirty="0" err="1" smtClean="0"/>
+              <a:t>backet</a:t>
+            </a:r>
+            <a:r>
+              <a:rPr lang="en-US" sz="1800"/>
+              <a:t> </a:t>
+            </a:r>
+            <a:r>
+              <a:rPr lang="en-US" sz="1800" smtClean="0"/>
+              <a:t>“diploma-s3-backet-log-dev / prod”</a:t>
+            </a:r>
+            <a:endParaRPr lang="en-US" sz="1800" dirty="0"/>
           </a:p>
           <a:p>
             <a:r>

--- a/internship-diploma-sherbakov-alexander.pptx
+++ b/internship-diploma-sherbakov-alexander.pptx
@@ -3891,7 +3891,25 @@
               <a:rPr lang="en-US" sz="2000" dirty="0">
                 <a:cs typeface="Calibri" panose="020F0502020204030204" pitchFamily="34" charset="0"/>
               </a:rPr>
-              <a:t>Although in production environment worker nodes should reside in Private subnets (with NAT Gateway), for learning purpose Public subnets with Security Groups and Internet Gateway were </a:t>
+              <a:t>Although in production environment worker nodes should reside in </a:t>
+            </a:r>
+            <a:r>
+              <a:rPr lang="en-US" sz="2000">
+                <a:cs typeface="Calibri" panose="020F0502020204030204" pitchFamily="34" charset="0"/>
+              </a:rPr>
+              <a:t>Private </a:t>
+            </a:r>
+            <a:r>
+              <a:rPr lang="en-US" sz="2000" smtClean="0">
+                <a:cs typeface="Calibri" panose="020F0502020204030204" pitchFamily="34" charset="0"/>
+              </a:rPr>
+              <a:t>subnets, </a:t>
+            </a:r>
+            <a:r>
+              <a:rPr lang="en-US" sz="2000" dirty="0">
+                <a:cs typeface="Calibri" panose="020F0502020204030204" pitchFamily="34" charset="0"/>
+              </a:rPr>
+              <a:t>for learning purpose Public subnets with Security Groups and Internet Gateway were </a:t>
             </a:r>
             <a:r>
               <a:rPr lang="en-US" sz="2000" dirty="0" smtClean="0">
@@ -4077,7 +4095,7 @@
           <a:blip r:embed="rId2">
             <a:extLst>
               <a:ext uri="{96DAC541-7B7A-43D3-8B79-37D633B846F1}">
-                <asvg:svgBlip xmlns:asvg="http://schemas.microsoft.com/office/drawing/2016/SVG/main" xmlns="" r:embed="rId3"/>
+                <asvg:svgBlip xmlns="" xmlns:asvg="http://schemas.microsoft.com/office/drawing/2016/SVG/main" r:embed="rId3"/>
               </a:ext>
             </a:extLst>
           </a:blip>
@@ -4246,7 +4264,7 @@
           <a:blip r:embed="rId4">
             <a:extLst>
               <a:ext uri="{96DAC541-7B7A-43D3-8B79-37D633B846F1}">
-                <asvg:svgBlip xmlns:asvg="http://schemas.microsoft.com/office/drawing/2016/SVG/main" xmlns="" r:embed="rId25"/>
+                <asvg:svgBlip xmlns="" xmlns:asvg="http://schemas.microsoft.com/office/drawing/2016/SVG/main" r:embed="rId25"/>
               </a:ext>
             </a:extLst>
           </a:blip>
@@ -4368,7 +4386,7 @@
           <a:blip r:embed="rId26">
             <a:extLst>
               <a:ext uri="{96DAC541-7B7A-43D3-8B79-37D633B846F1}">
-                <asvg:svgBlip xmlns:asvg="http://schemas.microsoft.com/office/drawing/2016/SVG/main" xmlns="" r:embed="rId17"/>
+                <asvg:svgBlip xmlns="" xmlns:asvg="http://schemas.microsoft.com/office/drawing/2016/SVG/main" r:embed="rId17"/>
               </a:ext>
             </a:extLst>
           </a:blip>
@@ -4404,7 +4422,7 @@
           <a:blip r:embed="rId27">
             <a:extLst>
               <a:ext uri="{96DAC541-7B7A-43D3-8B79-37D633B846F1}">
-                <asvg:svgBlip xmlns:asvg="http://schemas.microsoft.com/office/drawing/2016/SVG/main" xmlns="" r:embed="rId22"/>
+                <asvg:svgBlip xmlns="" xmlns:asvg="http://schemas.microsoft.com/office/drawing/2016/SVG/main" r:embed="rId22"/>
               </a:ext>
             </a:extLst>
           </a:blip>
@@ -4497,7 +4515,7 @@
           <a:blip r:embed="rId28">
             <a:extLst>
               <a:ext uri="{96DAC541-7B7A-43D3-8B79-37D633B846F1}">
-                <asvg:svgBlip xmlns:asvg="http://schemas.microsoft.com/office/drawing/2016/SVG/main" xmlns="" r:embed="rId10"/>
+                <asvg:svgBlip xmlns="" xmlns:asvg="http://schemas.microsoft.com/office/drawing/2016/SVG/main" r:embed="rId10"/>
               </a:ext>
             </a:extLst>
           </a:blip>
@@ -8044,7 +8062,7 @@
           <a:blip r:embed="rId2">
             <a:extLst>
               <a:ext uri="{96DAC541-7B7A-43D3-8B79-37D633B846F1}">
-                <asvg:svgBlip xmlns:asvg="http://schemas.microsoft.com/office/drawing/2016/SVG/main" xmlns="" r:embed="rId22"/>
+                <asvg:svgBlip xmlns="" xmlns:asvg="http://schemas.microsoft.com/office/drawing/2016/SVG/main" r:embed="rId22"/>
               </a:ext>
             </a:extLst>
           </a:blip>

--- a/internship-diploma-sherbakov-alexander.pptx
+++ b/internship-diploma-sherbakov-alexander.pptx
@@ -3569,7 +3569,19 @@
             </a:r>
             <a:r>
               <a:rPr lang="en-US" sz="1600" dirty="0" smtClean="0"/>
-              <a:t> -q -O - a95fbf1b483644f4bba26e31323b1a37-1870510020.eu-west-1.elb.amazonaws.com; done</a:t>
+              <a:t> -q -O </a:t>
+            </a:r>
+            <a:r>
+              <a:rPr lang="en-US" sz="1600" smtClean="0"/>
+              <a:t>- </a:t>
+            </a:r>
+            <a:r>
+              <a:rPr lang="en-US" sz="1600"/>
+              <a:t>afd8828501b0c4247bcae14d9015c4fc-1199582891.eu-west-1.elb.amazonaws.com</a:t>
+            </a:r>
+            <a:r>
+              <a:rPr lang="en-US" sz="1600" dirty="0" smtClean="0"/>
+              <a:t>; done</a:t>
             </a:r>
             <a:endParaRPr lang="ru-RU" sz="1600" dirty="0"/>
           </a:p>
@@ -4095,7 +4107,7 @@
           <a:blip r:embed="rId2">
             <a:extLst>
               <a:ext uri="{96DAC541-7B7A-43D3-8B79-37D633B846F1}">
-                <asvg:svgBlip xmlns="" xmlns:asvg="http://schemas.microsoft.com/office/drawing/2016/SVG/main" r:embed="rId3"/>
+                <asvg:svgBlip xmlns:asvg="http://schemas.microsoft.com/office/drawing/2016/SVG/main" xmlns="" r:embed="rId3"/>
               </a:ext>
             </a:extLst>
           </a:blip>
@@ -4264,7 +4276,7 @@
           <a:blip r:embed="rId4">
             <a:extLst>
               <a:ext uri="{96DAC541-7B7A-43D3-8B79-37D633B846F1}">
-                <asvg:svgBlip xmlns="" xmlns:asvg="http://schemas.microsoft.com/office/drawing/2016/SVG/main" r:embed="rId25"/>
+                <asvg:svgBlip xmlns:asvg="http://schemas.microsoft.com/office/drawing/2016/SVG/main" xmlns="" r:embed="rId25"/>
               </a:ext>
             </a:extLst>
           </a:blip>
@@ -4386,7 +4398,7 @@
           <a:blip r:embed="rId26">
             <a:extLst>
               <a:ext uri="{96DAC541-7B7A-43D3-8B79-37D633B846F1}">
-                <asvg:svgBlip xmlns="" xmlns:asvg="http://schemas.microsoft.com/office/drawing/2016/SVG/main" r:embed="rId17"/>
+                <asvg:svgBlip xmlns:asvg="http://schemas.microsoft.com/office/drawing/2016/SVG/main" xmlns="" r:embed="rId17"/>
               </a:ext>
             </a:extLst>
           </a:blip>
@@ -4422,7 +4434,7 @@
           <a:blip r:embed="rId27">
             <a:extLst>
               <a:ext uri="{96DAC541-7B7A-43D3-8B79-37D633B846F1}">
-                <asvg:svgBlip xmlns="" xmlns:asvg="http://schemas.microsoft.com/office/drawing/2016/SVG/main" r:embed="rId22"/>
+                <asvg:svgBlip xmlns:asvg="http://schemas.microsoft.com/office/drawing/2016/SVG/main" xmlns="" r:embed="rId22"/>
               </a:ext>
             </a:extLst>
           </a:blip>
@@ -4515,7 +4527,7 @@
           <a:blip r:embed="rId28">
             <a:extLst>
               <a:ext uri="{96DAC541-7B7A-43D3-8B79-37D633B846F1}">
-                <asvg:svgBlip xmlns="" xmlns:asvg="http://schemas.microsoft.com/office/drawing/2016/SVG/main" r:embed="rId10"/>
+                <asvg:svgBlip xmlns:asvg="http://schemas.microsoft.com/office/drawing/2016/SVG/main" xmlns="" r:embed="rId10"/>
               </a:ext>
             </a:extLst>
           </a:blip>
@@ -8062,7 +8074,7 @@
           <a:blip r:embed="rId2">
             <a:extLst>
               <a:ext uri="{96DAC541-7B7A-43D3-8B79-37D633B846F1}">
-                <asvg:svgBlip xmlns="" xmlns:asvg="http://schemas.microsoft.com/office/drawing/2016/SVG/main" r:embed="rId22"/>
+                <asvg:svgBlip xmlns:asvg="http://schemas.microsoft.com/office/drawing/2016/SVG/main" xmlns="" r:embed="rId22"/>
               </a:ext>
             </a:extLst>
           </a:blip>
